--- a/NFL Capstone Project/NFL Capstone Presentation.pptx
+++ b/NFL Capstone Project/NFL Capstone Presentation.pptx
@@ -212,7 +212,7 @@
           <a:p>
             <a:fld id="{FEE4DFFD-13FF-334C-9095-75A04071C0AC}" type="datetimeFigureOut">
               <a:rPr lang="en-US" smtClean="0"/>
-              <a:t>11/14/18</a:t>
+              <a:t>11/20/18</a:t>
             </a:fld>
             <a:endParaRPr lang="en-US" dirty="0"/>
           </a:p>
@@ -772,7 +772,7 @@
             <a:pPr algn="l" eaLnBrk="1" latinLnBrk="0" hangingPunct="1"/>
             <a:fld id="{48D92626-37D2-4832-BF7A-BC283494A20D}" type="datetimeFigureOut">
               <a:rPr lang="en-US" smtClean="0"/>
-              <a:t>11/14/18</a:t>
+              <a:t>11/20/18</a:t>
             </a:fld>
             <a:endParaRPr lang="en-US" dirty="0"/>
           </a:p>
@@ -973,7 +973,7 @@
           <a:p>
             <a:fld id="{48D92626-37D2-4832-BF7A-BC283494A20D}" type="datetimeFigureOut">
               <a:rPr lang="en-US" smtClean="0"/>
-              <a:t>11/14/18</a:t>
+              <a:t>11/20/18</a:t>
             </a:fld>
             <a:endParaRPr lang="en-US" dirty="0"/>
           </a:p>
@@ -1161,7 +1161,7 @@
           <a:p>
             <a:fld id="{48D92626-37D2-4832-BF7A-BC283494A20D}" type="datetimeFigureOut">
               <a:rPr lang="en-US" smtClean="0"/>
-              <a:t>11/14/18</a:t>
+              <a:t>11/20/18</a:t>
             </a:fld>
             <a:endParaRPr lang="en-US" dirty="0"/>
           </a:p>
@@ -1390,7 +1390,7 @@
           <a:p>
             <a:fld id="{48D92626-37D2-4832-BF7A-BC283494A20D}" type="datetimeFigureOut">
               <a:rPr lang="en-US" smtClean="0"/>
-              <a:t>11/14/18</a:t>
+              <a:t>11/20/18</a:t>
             </a:fld>
             <a:endParaRPr lang="en-US" dirty="0"/>
           </a:p>
@@ -1672,7 +1672,7 @@
             <a:pPr algn="l" eaLnBrk="1" latinLnBrk="0" hangingPunct="1"/>
             <a:fld id="{48D92626-37D2-4832-BF7A-BC283494A20D}" type="datetimeFigureOut">
               <a:rPr lang="en-US" smtClean="0"/>
-              <a:t>11/14/18</a:t>
+              <a:t>11/20/18</a:t>
             </a:fld>
             <a:endParaRPr lang="en-US" dirty="0"/>
           </a:p>
@@ -1967,7 +1967,7 @@
           <a:p>
             <a:fld id="{48D92626-37D2-4832-BF7A-BC283494A20D}" type="datetimeFigureOut">
               <a:rPr lang="en-US" smtClean="0"/>
-              <a:t>11/14/18</a:t>
+              <a:t>11/20/18</a:t>
             </a:fld>
             <a:endParaRPr lang="en-US" dirty="0"/>
           </a:p>
@@ -2521,7 +2521,7 @@
           <a:p>
             <a:fld id="{48D92626-37D2-4832-BF7A-BC283494A20D}" type="datetimeFigureOut">
               <a:rPr lang="en-US" smtClean="0"/>
-              <a:t>11/14/18</a:t>
+              <a:t>11/20/18</a:t>
             </a:fld>
             <a:endParaRPr lang="en-US" dirty="0"/>
           </a:p>
@@ -2652,7 +2652,7 @@
           <a:p>
             <a:fld id="{48D92626-37D2-4832-BF7A-BC283494A20D}" type="datetimeFigureOut">
               <a:rPr lang="en-US" smtClean="0"/>
-              <a:t>11/14/18</a:t>
+              <a:t>11/20/18</a:t>
             </a:fld>
             <a:endParaRPr lang="en-US" dirty="0"/>
           </a:p>
@@ -2802,7 +2802,7 @@
           <a:p>
             <a:fld id="{48D92626-37D2-4832-BF7A-BC283494A20D}" type="datetimeFigureOut">
               <a:rPr lang="en-US" smtClean="0"/>
-              <a:t>11/14/18</a:t>
+              <a:t>11/20/18</a:t>
             </a:fld>
             <a:endParaRPr lang="en-US" dirty="0"/>
           </a:p>
@@ -3124,7 +3124,7 @@
             <a:pPr algn="l" eaLnBrk="1" latinLnBrk="0" hangingPunct="1"/>
             <a:fld id="{48D92626-37D2-4832-BF7A-BC283494A20D}" type="datetimeFigureOut">
               <a:rPr lang="en-US" smtClean="0"/>
-              <a:t>11/14/18</a:t>
+              <a:t>11/20/18</a:t>
             </a:fld>
             <a:endParaRPr lang="en-US" dirty="0"/>
           </a:p>
@@ -3429,7 +3429,7 @@
             <a:pPr algn="l" eaLnBrk="1" latinLnBrk="0" hangingPunct="1"/>
             <a:fld id="{48D92626-37D2-4832-BF7A-BC283494A20D}" type="datetimeFigureOut">
               <a:rPr lang="en-US" smtClean="0"/>
-              <a:t>11/14/18</a:t>
+              <a:t>11/20/18</a:t>
             </a:fld>
             <a:endParaRPr lang="en-US" dirty="0"/>
           </a:p>
@@ -3690,7 +3690,7 @@
             <a:pPr algn="l" eaLnBrk="1" latinLnBrk="0" hangingPunct="1"/>
             <a:fld id="{48D92626-37D2-4832-BF7A-BC283494A20D}" type="datetimeFigureOut">
               <a:rPr lang="en-US" smtClean="0"/>
-              <a:t>11/14/18</a:t>
+              <a:t>11/20/18</a:t>
             </a:fld>
             <a:endParaRPr lang="en-US" sz="1300" dirty="0">
               <a:solidFill>
@@ -5656,7 +5656,7 @@
         <p:spPr/>
         <p:txBody>
           <a:bodyPr>
-            <a:normAutofit lnSpcReduction="10000"/>
+            <a:normAutofit fontScale="85000" lnSpcReduction="20000"/>
           </a:bodyPr>
           <a:lstStyle/>
           <a:p>
@@ -5691,7 +5691,56 @@
               <a:rPr lang="en-US" dirty="0" smtClean="0"/>
               <a:t>But none guarantee victory, mixed models</a:t>
             </a:r>
-            <a:endParaRPr lang="en-US" dirty="0"/>
+          </a:p>
+          <a:p>
+            <a:endParaRPr lang="en-US" dirty="0"/>
+          </a:p>
+          <a:p>
+            <a:r>
+              <a:rPr lang="en-US" dirty="0" smtClean="0"/>
+              <a:t>For more info: </a:t>
+            </a:r>
+            <a:r>
+              <a:rPr lang="en-US" dirty="0" smtClean="0">
+                <a:solidFill>
+                  <a:srgbClr val="3366FF"/>
+                </a:solidFill>
+                <a:hlinkClick r:id="rId2"/>
+              </a:rPr>
+              <a:t>https</a:t>
+            </a:r>
+            <a:r>
+              <a:rPr lang="en-US" dirty="0">
+                <a:solidFill>
+                  <a:srgbClr val="3366FF"/>
+                </a:solidFill>
+                <a:hlinkClick r:id="rId2"/>
+              </a:rPr>
+              <a:t>://</a:t>
+            </a:r>
+            <a:r>
+              <a:rPr lang="en-US" dirty="0" err="1">
+                <a:solidFill>
+                  <a:srgbClr val="3366FF"/>
+                </a:solidFill>
+                <a:hlinkClick r:id="rId2"/>
+              </a:rPr>
+              <a:t>github.com</a:t>
+            </a:r>
+            <a:r>
+              <a:rPr lang="en-US" dirty="0">
+                <a:solidFill>
+                  <a:srgbClr val="3366FF"/>
+                </a:solidFill>
+                <a:hlinkClick r:id="rId2"/>
+              </a:rPr>
+              <a:t>/SportsReiter12/Data-Science/tree/master/NFL%20Capstone%20Project</a:t>
+            </a:r>
+            <a:endParaRPr lang="en-US" dirty="0">
+              <a:solidFill>
+                <a:srgbClr val="3366FF"/>
+              </a:solidFill>
+            </a:endParaRPr>
           </a:p>
         </p:txBody>
       </p:sp>
@@ -6556,7 +6605,7 @@
 <file path=ppt/theme/theme1.xml><?xml version="1.0" encoding="utf-8"?>
 <a:theme xmlns:a="http://schemas.openxmlformats.org/drawingml/2006/main" name="Foundry">
   <a:themeElements>
-    <a:clrScheme name="Foundry">
+    <a:clrScheme name="Custom 7">
       <a:dk1>
         <a:sysClr val="windowText" lastClr="000000"/>
       </a:dk1>
@@ -6588,7 +6637,7 @@
         <a:srgbClr val="E8B7B7"/>
       </a:accent6>
       <a:hlink>
-        <a:srgbClr val="DB5353"/>
+        <a:srgbClr val="2193FD"/>
       </a:hlink>
       <a:folHlink>
         <a:srgbClr val="903638"/>
